--- a/presentations/Task_2.pptx
+++ b/presentations/Task_2.pptx
@@ -805,7 +805,7 @@
   <p:cSld>
     <p:spTree>
       <p:nvGrpSpPr>
-        <p:cNvPr id="149" name="Shape 149"/>
+        <p:cNvPr id="150" name="Shape 150"/>
         <p:cNvGrpSpPr/>
         <p:nvPr/>
       </p:nvGrpSpPr>
@@ -819,7 +819,7 @@
       </p:grpSpPr>
       <p:sp>
         <p:nvSpPr>
-          <p:cNvPr id="150" name="Google Shape;150;g17aa434cf3c_0_424:notes"/>
+          <p:cNvPr id="151" name="Google Shape;151;g17aa434cf3c_0_424:notes"/>
           <p:cNvSpPr/>
           <p:nvPr>
             <p:ph idx="2" type="sldImg"/>
@@ -854,7 +854,7 @@
       </p:sp>
       <p:sp>
         <p:nvSpPr>
-          <p:cNvPr id="151" name="Google Shape;151;g17aa434cf3c_0_424:notes"/>
+          <p:cNvPr id="152" name="Google Shape;152;g17aa434cf3c_0_424:notes"/>
           <p:cNvSpPr txBox="1"/>
           <p:nvPr>
             <p:ph idx="1" type="body"/>
@@ -904,7 +904,7 @@
   <p:cSld>
     <p:spTree>
       <p:nvGrpSpPr>
-        <p:cNvPr id="155" name="Shape 155"/>
+        <p:cNvPr id="156" name="Shape 156"/>
         <p:cNvGrpSpPr/>
         <p:nvPr/>
       </p:nvGrpSpPr>
@@ -918,7 +918,7 @@
       </p:grpSpPr>
       <p:sp>
         <p:nvSpPr>
-          <p:cNvPr id="156" name="Google Shape;156;g17aa434cf3c_0_418:notes"/>
+          <p:cNvPr id="157" name="Google Shape;157;g17aa434cf3c_0_418:notes"/>
           <p:cNvSpPr/>
           <p:nvPr>
             <p:ph idx="2" type="sldImg"/>
@@ -953,7 +953,7 @@
       </p:sp>
       <p:sp>
         <p:nvSpPr>
-          <p:cNvPr id="157" name="Google Shape;157;g17aa434cf3c_0_418:notes"/>
+          <p:cNvPr id="158" name="Google Shape;158;g17aa434cf3c_0_418:notes"/>
           <p:cNvSpPr txBox="1"/>
           <p:nvPr>
             <p:ph idx="1" type="body"/>
@@ -1003,7 +1003,7 @@
   <p:cSld>
     <p:spTree>
       <p:nvGrpSpPr>
-        <p:cNvPr id="162" name="Shape 162"/>
+        <p:cNvPr id="163" name="Shape 163"/>
         <p:cNvGrpSpPr/>
         <p:nvPr/>
       </p:nvGrpSpPr>
@@ -1017,7 +1017,7 @@
       </p:grpSpPr>
       <p:sp>
         <p:nvSpPr>
-          <p:cNvPr id="163" name="Google Shape;163;g17aa434cf3c_0_431:notes"/>
+          <p:cNvPr id="164" name="Google Shape;164;g17aa434cf3c_0_431:notes"/>
           <p:cNvSpPr/>
           <p:nvPr>
             <p:ph idx="2" type="sldImg"/>
@@ -1052,7 +1052,7 @@
       </p:sp>
       <p:sp>
         <p:nvSpPr>
-          <p:cNvPr id="164" name="Google Shape;164;g17aa434cf3c_0_431:notes"/>
+          <p:cNvPr id="165" name="Google Shape;165;g17aa434cf3c_0_431:notes"/>
           <p:cNvSpPr txBox="1"/>
           <p:nvPr>
             <p:ph idx="1" type="body"/>
@@ -1102,7 +1102,7 @@
   <p:cSld>
     <p:spTree>
       <p:nvGrpSpPr>
-        <p:cNvPr id="170" name="Shape 170"/>
+        <p:cNvPr id="171" name="Shape 171"/>
         <p:cNvGrpSpPr/>
         <p:nvPr/>
       </p:nvGrpSpPr>
@@ -1116,7 +1116,7 @@
       </p:grpSpPr>
       <p:sp>
         <p:nvSpPr>
-          <p:cNvPr id="171" name="Google Shape;171;g17aa434cf3c_0_436:notes"/>
+          <p:cNvPr id="172" name="Google Shape;172;g17aa434cf3c_0_436:notes"/>
           <p:cNvSpPr/>
           <p:nvPr>
             <p:ph idx="2" type="sldImg"/>
@@ -1151,7 +1151,7 @@
       </p:sp>
       <p:sp>
         <p:nvSpPr>
-          <p:cNvPr id="172" name="Google Shape;172;g17aa434cf3c_0_436:notes"/>
+          <p:cNvPr id="173" name="Google Shape;173;g17aa434cf3c_0_436:notes"/>
           <p:cNvSpPr txBox="1"/>
           <p:nvPr>
             <p:ph idx="1" type="body"/>
@@ -1201,7 +1201,7 @@
   <p:cSld>
     <p:spTree>
       <p:nvGrpSpPr>
-        <p:cNvPr id="183" name="Shape 183"/>
+        <p:cNvPr id="184" name="Shape 184"/>
         <p:cNvGrpSpPr/>
         <p:nvPr/>
       </p:nvGrpSpPr>
@@ -1215,7 +1215,7 @@
       </p:grpSpPr>
       <p:sp>
         <p:nvSpPr>
-          <p:cNvPr id="184" name="Google Shape;184;g17aa434cf3c_0_441:notes"/>
+          <p:cNvPr id="185" name="Google Shape;185;g17aa434cf3c_0_441:notes"/>
           <p:cNvSpPr/>
           <p:nvPr>
             <p:ph idx="2" type="sldImg"/>
@@ -1250,7 +1250,7 @@
       </p:sp>
       <p:sp>
         <p:nvSpPr>
-          <p:cNvPr id="185" name="Google Shape;185;g17aa434cf3c_0_441:notes"/>
+          <p:cNvPr id="186" name="Google Shape;186;g17aa434cf3c_0_441:notes"/>
           <p:cNvSpPr txBox="1"/>
           <p:nvPr>
             <p:ph idx="1" type="body"/>
@@ -1300,7 +1300,7 @@
   <p:cSld>
     <p:spTree>
       <p:nvGrpSpPr>
-        <p:cNvPr id="191" name="Shape 191"/>
+        <p:cNvPr id="192" name="Shape 192"/>
         <p:cNvGrpSpPr/>
         <p:nvPr/>
       </p:nvGrpSpPr>
@@ -1314,7 +1314,7 @@
       </p:grpSpPr>
       <p:sp>
         <p:nvSpPr>
-          <p:cNvPr id="192" name="Google Shape;192;g17aa434cf3c_0_446:notes"/>
+          <p:cNvPr id="193" name="Google Shape;193;g17aa434cf3c_0_446:notes"/>
           <p:cNvSpPr/>
           <p:nvPr>
             <p:ph idx="2" type="sldImg"/>
@@ -1349,7 +1349,7 @@
       </p:sp>
       <p:sp>
         <p:nvSpPr>
-          <p:cNvPr id="193" name="Google Shape;193;g17aa434cf3c_0_446:notes"/>
+          <p:cNvPr id="194" name="Google Shape;194;g17aa434cf3c_0_446:notes"/>
           <p:cNvSpPr txBox="1"/>
           <p:nvPr>
             <p:ph idx="1" type="body"/>
@@ -1399,7 +1399,7 @@
   <p:cSld>
     <p:spTree>
       <p:nvGrpSpPr>
-        <p:cNvPr id="201" name="Shape 201"/>
+        <p:cNvPr id="202" name="Shape 202"/>
         <p:cNvGrpSpPr/>
         <p:nvPr/>
       </p:nvGrpSpPr>
@@ -1413,7 +1413,7 @@
       </p:grpSpPr>
       <p:sp>
         <p:nvSpPr>
-          <p:cNvPr id="202" name="Google Shape;202;g17aa434cf3c_0_451:notes"/>
+          <p:cNvPr id="203" name="Google Shape;203;g17aa434cf3c_0_451:notes"/>
           <p:cNvSpPr/>
           <p:nvPr>
             <p:ph idx="2" type="sldImg"/>
@@ -1448,7 +1448,7 @@
       </p:sp>
       <p:sp>
         <p:nvSpPr>
-          <p:cNvPr id="203" name="Google Shape;203;g17aa434cf3c_0_451:notes"/>
+          <p:cNvPr id="204" name="Google Shape;204;g17aa434cf3c_0_451:notes"/>
           <p:cNvSpPr txBox="1"/>
           <p:nvPr>
             <p:ph idx="1" type="body"/>
@@ -1498,7 +1498,7 @@
   <p:cSld>
     <p:spTree>
       <p:nvGrpSpPr>
-        <p:cNvPr id="56" name="Shape 56"/>
+        <p:cNvPr id="57" name="Shape 57"/>
         <p:cNvGrpSpPr/>
         <p:nvPr/>
       </p:nvGrpSpPr>
@@ -1512,7 +1512,7 @@
       </p:grpSpPr>
       <p:sp>
         <p:nvSpPr>
-          <p:cNvPr id="57" name="Google Shape;57;g17aa434cf3c_0_264:notes"/>
+          <p:cNvPr id="58" name="Google Shape;58;g17aa434cf3c_0_264:notes"/>
           <p:cNvSpPr/>
           <p:nvPr>
             <p:ph idx="2" type="sldImg"/>
@@ -1547,7 +1547,7 @@
       </p:sp>
       <p:sp>
         <p:nvSpPr>
-          <p:cNvPr id="58" name="Google Shape;58;g17aa434cf3c_0_264:notes"/>
+          <p:cNvPr id="59" name="Google Shape;59;g17aa434cf3c_0_264:notes"/>
           <p:cNvSpPr txBox="1"/>
           <p:nvPr>
             <p:ph idx="1" type="body"/>
@@ -1597,7 +1597,7 @@
   <p:cSld>
     <p:spTree>
       <p:nvGrpSpPr>
-        <p:cNvPr id="69" name="Shape 69"/>
+        <p:cNvPr id="70" name="Shape 70"/>
         <p:cNvGrpSpPr/>
         <p:nvPr/>
       </p:nvGrpSpPr>
@@ -1611,7 +1611,7 @@
       </p:grpSpPr>
       <p:sp>
         <p:nvSpPr>
-          <p:cNvPr id="70" name="Google Shape;70;g17aa434cf3c_0_281:notes"/>
+          <p:cNvPr id="71" name="Google Shape;71;g17aa434cf3c_0_281:notes"/>
           <p:cNvSpPr/>
           <p:nvPr>
             <p:ph idx="2" type="sldImg"/>
@@ -1646,7 +1646,7 @@
       </p:sp>
       <p:sp>
         <p:nvSpPr>
-          <p:cNvPr id="71" name="Google Shape;71;g17aa434cf3c_0_281:notes"/>
+          <p:cNvPr id="72" name="Google Shape;72;g17aa434cf3c_0_281:notes"/>
           <p:cNvSpPr txBox="1"/>
           <p:nvPr>
             <p:ph idx="1" type="body"/>
@@ -1696,7 +1696,7 @@
   <p:cSld>
     <p:spTree>
       <p:nvGrpSpPr>
-        <p:cNvPr id="82" name="Shape 82"/>
+        <p:cNvPr id="83" name="Shape 83"/>
         <p:cNvGrpSpPr/>
         <p:nvPr/>
       </p:nvGrpSpPr>
@@ -1710,7 +1710,7 @@
       </p:grpSpPr>
       <p:sp>
         <p:nvSpPr>
-          <p:cNvPr id="83" name="Google Shape;83;g17aa434cf3c_0_303:notes"/>
+          <p:cNvPr id="84" name="Google Shape;84;g17aa434cf3c_0_303:notes"/>
           <p:cNvSpPr/>
           <p:nvPr>
             <p:ph idx="2" type="sldImg"/>
@@ -1745,7 +1745,7 @@
       </p:sp>
       <p:sp>
         <p:nvSpPr>
-          <p:cNvPr id="84" name="Google Shape;84;g17aa434cf3c_0_303:notes"/>
+          <p:cNvPr id="85" name="Google Shape;85;g17aa434cf3c_0_303:notes"/>
           <p:cNvSpPr txBox="1"/>
           <p:nvPr>
             <p:ph idx="1" type="body"/>
@@ -1795,7 +1795,7 @@
   <p:cSld>
     <p:spTree>
       <p:nvGrpSpPr>
-        <p:cNvPr id="96" name="Shape 96"/>
+        <p:cNvPr id="97" name="Shape 97"/>
         <p:cNvGrpSpPr/>
         <p:nvPr/>
       </p:nvGrpSpPr>
@@ -1809,7 +1809,7 @@
       </p:grpSpPr>
       <p:sp>
         <p:nvSpPr>
-          <p:cNvPr id="97" name="Google Shape;97;g17aa434cf3c_0_335:notes"/>
+          <p:cNvPr id="98" name="Google Shape;98;g17aa434cf3c_0_335:notes"/>
           <p:cNvSpPr/>
           <p:nvPr>
             <p:ph idx="2" type="sldImg"/>
@@ -1844,7 +1844,7 @@
       </p:sp>
       <p:sp>
         <p:nvSpPr>
-          <p:cNvPr id="98" name="Google Shape;98;g17aa434cf3c_0_335:notes"/>
+          <p:cNvPr id="99" name="Google Shape;99;g17aa434cf3c_0_335:notes"/>
           <p:cNvSpPr txBox="1"/>
           <p:nvPr>
             <p:ph idx="1" type="body"/>
@@ -1894,7 +1894,7 @@
   <p:cSld>
     <p:spTree>
       <p:nvGrpSpPr>
-        <p:cNvPr id="109" name="Shape 109"/>
+        <p:cNvPr id="110" name="Shape 110"/>
         <p:cNvGrpSpPr/>
         <p:nvPr/>
       </p:nvGrpSpPr>
@@ -1908,7 +1908,7 @@
       </p:grpSpPr>
       <p:sp>
         <p:nvSpPr>
-          <p:cNvPr id="110" name="Google Shape;110;g17aa434cf3c_0_359:notes"/>
+          <p:cNvPr id="111" name="Google Shape;111;g17aa434cf3c_0_359:notes"/>
           <p:cNvSpPr/>
           <p:nvPr>
             <p:ph idx="2" type="sldImg"/>
@@ -1943,7 +1943,7 @@
       </p:sp>
       <p:sp>
         <p:nvSpPr>
-          <p:cNvPr id="111" name="Google Shape;111;g17aa434cf3c_0_359:notes"/>
+          <p:cNvPr id="112" name="Google Shape;112;g17aa434cf3c_0_359:notes"/>
           <p:cNvSpPr txBox="1"/>
           <p:nvPr>
             <p:ph idx="1" type="body"/>
@@ -1993,7 +1993,7 @@
   <p:cSld>
     <p:spTree>
       <p:nvGrpSpPr>
-        <p:cNvPr id="122" name="Shape 122"/>
+        <p:cNvPr id="123" name="Shape 123"/>
         <p:cNvGrpSpPr/>
         <p:nvPr/>
       </p:nvGrpSpPr>
@@ -2007,7 +2007,7 @@
       </p:grpSpPr>
       <p:sp>
         <p:nvSpPr>
-          <p:cNvPr id="123" name="Google Shape;123;g17aa434cf3c_0_382:notes"/>
+          <p:cNvPr id="124" name="Google Shape;124;g17aa434cf3c_0_382:notes"/>
           <p:cNvSpPr/>
           <p:nvPr>
             <p:ph idx="2" type="sldImg"/>
@@ -2042,7 +2042,7 @@
       </p:sp>
       <p:sp>
         <p:nvSpPr>
-          <p:cNvPr id="124" name="Google Shape;124;g17aa434cf3c_0_382:notes"/>
+          <p:cNvPr id="125" name="Google Shape;125;g17aa434cf3c_0_382:notes"/>
           <p:cNvSpPr txBox="1"/>
           <p:nvPr>
             <p:ph idx="1" type="body"/>
@@ -2092,7 +2092,7 @@
   <p:cSld>
     <p:spTree>
       <p:nvGrpSpPr>
-        <p:cNvPr id="135" name="Shape 135"/>
+        <p:cNvPr id="136" name="Shape 136"/>
         <p:cNvGrpSpPr/>
         <p:nvPr/>
       </p:nvGrpSpPr>
@@ -2106,7 +2106,7 @@
       </p:grpSpPr>
       <p:sp>
         <p:nvSpPr>
-          <p:cNvPr id="136" name="Google Shape;136;g17aa434cf3c_0_315:notes"/>
+          <p:cNvPr id="137" name="Google Shape;137;g17aa434cf3c_0_315:notes"/>
           <p:cNvSpPr/>
           <p:nvPr>
             <p:ph idx="2" type="sldImg"/>
@@ -2141,7 +2141,7 @@
       </p:sp>
       <p:sp>
         <p:nvSpPr>
-          <p:cNvPr id="137" name="Google Shape;137;g17aa434cf3c_0_315:notes"/>
+          <p:cNvPr id="138" name="Google Shape;138;g17aa434cf3c_0_315:notes"/>
           <p:cNvSpPr txBox="1"/>
           <p:nvPr>
             <p:ph idx="1" type="body"/>
@@ -2191,7 +2191,7 @@
   <p:cSld>
     <p:spTree>
       <p:nvGrpSpPr>
-        <p:cNvPr id="142" name="Shape 142"/>
+        <p:cNvPr id="143" name="Shape 143"/>
         <p:cNvGrpSpPr/>
         <p:nvPr/>
       </p:nvGrpSpPr>
@@ -2205,7 +2205,7 @@
       </p:grpSpPr>
       <p:sp>
         <p:nvSpPr>
-          <p:cNvPr id="143" name="Google Shape;143;g17aa434cf3c_0_404:notes"/>
+          <p:cNvPr id="144" name="Google Shape;144;g17aa434cf3c_0_404:notes"/>
           <p:cNvSpPr/>
           <p:nvPr>
             <p:ph idx="2" type="sldImg"/>
@@ -2240,7 +2240,7 @@
       </p:sp>
       <p:sp>
         <p:nvSpPr>
-          <p:cNvPr id="144" name="Google Shape;144;g17aa434cf3c_0_404:notes"/>
+          <p:cNvPr id="145" name="Google Shape;145;g17aa434cf3c_0_404:notes"/>
           <p:cNvSpPr txBox="1"/>
           <p:nvPr>
             <p:ph idx="1" type="body"/>
@@ -7298,6 +7298,81 @@
           </a:p>
         </p:txBody>
       </p:sp>
+      <p:sp>
+        <p:nvSpPr>
+          <p:cNvPr id="56" name="Google Shape;56;p13"/>
+          <p:cNvSpPr txBox="1"/>
+          <p:nvPr/>
+        </p:nvSpPr>
+        <p:spPr>
+          <a:xfrm>
+            <a:off x="2275350" y="1808600"/>
+            <a:ext cx="4593300" cy="615600"/>
+          </a:xfrm>
+          <a:prstGeom prst="rect">
+            <a:avLst/>
+          </a:prstGeom>
+          <a:noFill/>
+          <a:ln>
+            <a:noFill/>
+          </a:ln>
+        </p:spPr>
+        <p:txBody>
+          <a:bodyPr anchorCtr="0" anchor="t" bIns="91425" lIns="91425" spcFirstLastPara="1" rIns="91425" wrap="square" tIns="91425">
+            <a:spAutoFit/>
+          </a:bodyPr>
+          <a:lstStyle/>
+          <a:p>
+            <a:pPr indent="0" lvl="0" marL="0" rtl="0" algn="ctr">
+              <a:spcBef>
+                <a:spcPts val="0"/>
+              </a:spcBef>
+              <a:spcAft>
+                <a:spcPts val="0"/>
+              </a:spcAft>
+              <a:buNone/>
+            </a:pPr>
+            <a:r>
+              <a:rPr lang="ru">
+                <a:solidFill>
+                  <a:srgbClr val="FFFFFF"/>
+                </a:solidFill>
+              </a:rPr>
+              <a:t>Code available at </a:t>
+            </a:r>
+            <a:r>
+              <a:rPr lang="ru">
+                <a:solidFill>
+                  <a:srgbClr val="FFFFFF"/>
+                </a:solidFill>
+              </a:rPr>
+              <a:t>/Task2/Task2_analysis_solution.ipynb</a:t>
+            </a:r>
+            <a:r>
+              <a:rPr lang="ru">
+                <a:solidFill>
+                  <a:srgbClr val="FFFFFF"/>
+                </a:solidFill>
+              </a:rPr>
+              <a:t> or this </a:t>
+            </a:r>
+            <a:r>
+              <a:rPr lang="ru" u="sng">
+                <a:solidFill>
+                  <a:schemeClr val="hlink"/>
+                </a:solidFill>
+                <a:hlinkClick r:id="rId3"/>
+              </a:rPr>
+              <a:t>link</a:t>
+            </a:r>
+            <a:endParaRPr>
+              <a:solidFill>
+                <a:srgbClr val="FFFFFF"/>
+              </a:solidFill>
+            </a:endParaRPr>
+          </a:p>
+        </p:txBody>
+      </p:sp>
     </p:spTree>
   </p:cSld>
   <p:clrMapOvr>
@@ -7311,7 +7386,7 @@
   <p:cSld>
     <p:spTree>
       <p:nvGrpSpPr>
-        <p:cNvPr id="152" name="Shape 152"/>
+        <p:cNvPr id="153" name="Shape 153"/>
         <p:cNvGrpSpPr/>
         <p:nvPr/>
       </p:nvGrpSpPr>
@@ -7325,7 +7400,7 @@
       </p:grpSpPr>
       <p:sp>
         <p:nvSpPr>
-          <p:cNvPr id="153" name="Google Shape;153;p22"/>
+          <p:cNvPr id="154" name="Google Shape;154;p22"/>
           <p:cNvSpPr txBox="1"/>
           <p:nvPr>
             <p:ph type="title"/>
@@ -7365,7 +7440,7 @@
       </p:sp>
       <p:sp>
         <p:nvSpPr>
-          <p:cNvPr id="154" name="Google Shape;154;p22"/>
+          <p:cNvPr id="155" name="Google Shape;155;p22"/>
           <p:cNvSpPr txBox="1"/>
           <p:nvPr/>
         </p:nvSpPr>
@@ -7426,7 +7501,7 @@
   <p:cSld>
     <p:spTree>
       <p:nvGrpSpPr>
-        <p:cNvPr id="158" name="Shape 158"/>
+        <p:cNvPr id="159" name="Shape 159"/>
         <p:cNvGrpSpPr/>
         <p:nvPr/>
       </p:nvGrpSpPr>
@@ -7440,7 +7515,7 @@
       </p:grpSpPr>
       <p:sp>
         <p:nvSpPr>
-          <p:cNvPr id="159" name="Google Shape;159;p23"/>
+          <p:cNvPr id="160" name="Google Shape;160;p23"/>
           <p:cNvSpPr txBox="1"/>
           <p:nvPr>
             <p:ph type="title"/>
@@ -7484,7 +7559,7 @@
       </p:sp>
       <p:pic>
         <p:nvPicPr>
-          <p:cNvPr id="160" name="Google Shape;160;p23"/>
+          <p:cNvPr id="161" name="Google Shape;161;p23"/>
           <p:cNvPicPr preferRelativeResize="0"/>
           <p:nvPr/>
         </p:nvPicPr>
@@ -7512,7 +7587,7 @@
       </p:pic>
       <p:sp>
         <p:nvSpPr>
-          <p:cNvPr id="161" name="Google Shape;161;p23"/>
+          <p:cNvPr id="162" name="Google Shape;162;p23"/>
           <p:cNvSpPr txBox="1"/>
           <p:nvPr/>
         </p:nvSpPr>
@@ -7589,7 +7664,7 @@
   <p:cSld>
     <p:spTree>
       <p:nvGrpSpPr>
-        <p:cNvPr id="165" name="Shape 165"/>
+        <p:cNvPr id="166" name="Shape 166"/>
         <p:cNvGrpSpPr/>
         <p:nvPr/>
       </p:nvGrpSpPr>
@@ -7603,7 +7678,7 @@
       </p:grpSpPr>
       <p:sp>
         <p:nvSpPr>
-          <p:cNvPr id="166" name="Google Shape;166;p24"/>
+          <p:cNvPr id="167" name="Google Shape;167;p24"/>
           <p:cNvSpPr txBox="1"/>
           <p:nvPr>
             <p:ph type="title"/>
@@ -7647,7 +7722,7 @@
       </p:sp>
       <p:pic>
         <p:nvPicPr>
-          <p:cNvPr id="167" name="Google Shape;167;p24"/>
+          <p:cNvPr id="168" name="Google Shape;168;p24"/>
           <p:cNvPicPr preferRelativeResize="0"/>
           <p:nvPr/>
         </p:nvPicPr>
@@ -7675,7 +7750,7 @@
       </p:pic>
       <p:pic>
         <p:nvPicPr>
-          <p:cNvPr id="168" name="Google Shape;168;p24"/>
+          <p:cNvPr id="169" name="Google Shape;169;p24"/>
           <p:cNvPicPr preferRelativeResize="0"/>
           <p:nvPr/>
         </p:nvPicPr>
@@ -7703,7 +7778,7 @@
       </p:pic>
       <p:sp>
         <p:nvSpPr>
-          <p:cNvPr id="169" name="Google Shape;169;p24"/>
+          <p:cNvPr id="170" name="Google Shape;170;p24"/>
           <p:cNvSpPr txBox="1"/>
           <p:nvPr/>
         </p:nvSpPr>
@@ -7780,7 +7855,7 @@
   <p:cSld>
     <p:spTree>
       <p:nvGrpSpPr>
-        <p:cNvPr id="173" name="Shape 173"/>
+        <p:cNvPr id="174" name="Shape 174"/>
         <p:cNvGrpSpPr/>
         <p:nvPr/>
       </p:nvGrpSpPr>
@@ -7794,7 +7869,7 @@
       </p:grpSpPr>
       <p:sp>
         <p:nvSpPr>
-          <p:cNvPr id="174" name="Google Shape;174;p25"/>
+          <p:cNvPr id="175" name="Google Shape;175;p25"/>
           <p:cNvSpPr txBox="1"/>
           <p:nvPr>
             <p:ph type="title"/>
@@ -7838,7 +7913,7 @@
       </p:sp>
       <p:sp>
         <p:nvSpPr>
-          <p:cNvPr id="175" name="Google Shape;175;p25"/>
+          <p:cNvPr id="176" name="Google Shape;176;p25"/>
           <p:cNvSpPr txBox="1"/>
           <p:nvPr/>
         </p:nvSpPr>
@@ -7888,7 +7963,7 @@
       </p:sp>
       <p:sp>
         <p:nvSpPr>
-          <p:cNvPr id="176" name="Google Shape;176;p25"/>
+          <p:cNvPr id="177" name="Google Shape;177;p25"/>
           <p:cNvSpPr txBox="1"/>
           <p:nvPr/>
         </p:nvSpPr>
@@ -7938,7 +8013,7 @@
       </p:sp>
       <p:sp>
         <p:nvSpPr>
-          <p:cNvPr id="177" name="Google Shape;177;p25"/>
+          <p:cNvPr id="178" name="Google Shape;178;p25"/>
           <p:cNvSpPr txBox="1"/>
           <p:nvPr/>
         </p:nvSpPr>
@@ -7988,7 +8063,7 @@
       </p:sp>
       <p:sp>
         <p:nvSpPr>
-          <p:cNvPr id="178" name="Google Shape;178;p25"/>
+          <p:cNvPr id="179" name="Google Shape;179;p25"/>
           <p:cNvSpPr txBox="1"/>
           <p:nvPr/>
         </p:nvSpPr>
@@ -8038,7 +8113,7 @@
       </p:sp>
       <p:sp>
         <p:nvSpPr>
-          <p:cNvPr id="179" name="Google Shape;179;p25"/>
+          <p:cNvPr id="180" name="Google Shape;180;p25"/>
           <p:cNvSpPr txBox="1"/>
           <p:nvPr/>
         </p:nvSpPr>
@@ -8088,7 +8163,7 @@
       </p:sp>
       <p:sp>
         <p:nvSpPr>
-          <p:cNvPr id="180" name="Google Shape;180;p25"/>
+          <p:cNvPr id="181" name="Google Shape;181;p25"/>
           <p:cNvSpPr txBox="1"/>
           <p:nvPr/>
         </p:nvSpPr>
@@ -8138,7 +8213,7 @@
       </p:sp>
       <p:sp>
         <p:nvSpPr>
-          <p:cNvPr id="181" name="Google Shape;181;p25"/>
+          <p:cNvPr id="182" name="Google Shape;182;p25"/>
           <p:cNvSpPr txBox="1"/>
           <p:nvPr/>
         </p:nvSpPr>
@@ -8188,7 +8263,7 @@
       </p:sp>
       <p:pic>
         <p:nvPicPr>
-          <p:cNvPr id="182" name="Google Shape;182;p25"/>
+          <p:cNvPr id="183" name="Google Shape;183;p25"/>
           <p:cNvPicPr preferRelativeResize="0"/>
           <p:nvPr/>
         </p:nvPicPr>
@@ -8227,7 +8302,7 @@
   <p:cSld>
     <p:spTree>
       <p:nvGrpSpPr>
-        <p:cNvPr id="186" name="Shape 186"/>
+        <p:cNvPr id="187" name="Shape 187"/>
         <p:cNvGrpSpPr/>
         <p:nvPr/>
       </p:nvGrpSpPr>
@@ -8241,7 +8316,7 @@
       </p:grpSpPr>
       <p:sp>
         <p:nvSpPr>
-          <p:cNvPr id="187" name="Google Shape;187;p26"/>
+          <p:cNvPr id="188" name="Google Shape;188;p26"/>
           <p:cNvSpPr txBox="1"/>
           <p:nvPr>
             <p:ph type="title"/>
@@ -8285,7 +8360,7 @@
       </p:sp>
       <p:sp>
         <p:nvSpPr>
-          <p:cNvPr id="188" name="Google Shape;188;p26"/>
+          <p:cNvPr id="189" name="Google Shape;189;p26"/>
           <p:cNvSpPr txBox="1"/>
           <p:nvPr/>
         </p:nvSpPr>
@@ -8326,7 +8401,7 @@
       </p:sp>
       <p:pic>
         <p:nvPicPr>
-          <p:cNvPr id="189" name="Google Shape;189;p26"/>
+          <p:cNvPr id="190" name="Google Shape;190;p26"/>
           <p:cNvPicPr preferRelativeResize="0"/>
           <p:nvPr/>
         </p:nvPicPr>
@@ -8354,14 +8429,14 @@
       </p:pic>
       <p:sp>
         <p:nvSpPr>
-          <p:cNvPr id="190" name="Google Shape;190;p26"/>
+          <p:cNvPr id="191" name="Google Shape;191;p26"/>
           <p:cNvSpPr txBox="1"/>
           <p:nvPr/>
         </p:nvSpPr>
         <p:spPr>
           <a:xfrm>
-            <a:off x="3595950" y="4407675"/>
-            <a:ext cx="1952100" cy="369300"/>
+            <a:off x="2637450" y="4196175"/>
+            <a:ext cx="3869100" cy="738900"/>
           </a:xfrm>
           <a:prstGeom prst="rect">
             <a:avLst/>
@@ -8392,7 +8467,15 @@
                   <a:schemeClr val="dk1"/>
                 </a:solidFill>
               </a:rPr>
-              <a:t>Final model is highlighted</a:t>
+              <a:t>Final model is highlighted. </a:t>
+            </a:r>
+            <a:r>
+              <a:rPr lang="ru" sz="1200">
+                <a:solidFill>
+                  <a:schemeClr val="dk1"/>
+                </a:solidFill>
+              </a:rPr>
+              <a:t>This method and model was chosen due to good metric performance, real time learning, and inference.</a:t>
             </a:r>
             <a:endParaRPr sz="1200">
               <a:solidFill>
@@ -8415,7 +8498,7 @@
   <p:cSld>
     <p:spTree>
       <p:nvGrpSpPr>
-        <p:cNvPr id="194" name="Shape 194"/>
+        <p:cNvPr id="195" name="Shape 195"/>
         <p:cNvGrpSpPr/>
         <p:nvPr/>
       </p:nvGrpSpPr>
@@ -8429,7 +8512,7 @@
       </p:grpSpPr>
       <p:sp>
         <p:nvSpPr>
-          <p:cNvPr id="195" name="Google Shape;195;p27"/>
+          <p:cNvPr id="196" name="Google Shape;196;p27"/>
           <p:cNvSpPr txBox="1"/>
           <p:nvPr>
             <p:ph type="title"/>
@@ -8481,7 +8564,7 @@
       </p:sp>
       <p:sp>
         <p:nvSpPr>
-          <p:cNvPr id="196" name="Google Shape;196;p27"/>
+          <p:cNvPr id="197" name="Google Shape;197;p27"/>
           <p:cNvSpPr txBox="1"/>
           <p:nvPr/>
         </p:nvSpPr>
@@ -8522,7 +8605,7 @@
       </p:sp>
       <p:pic>
         <p:nvPicPr>
-          <p:cNvPr id="197" name="Google Shape;197;p27"/>
+          <p:cNvPr id="198" name="Google Shape;198;p27"/>
           <p:cNvPicPr preferRelativeResize="0"/>
           <p:nvPr/>
         </p:nvPicPr>
@@ -8550,7 +8633,7 @@
       </p:pic>
       <p:sp>
         <p:nvSpPr>
-          <p:cNvPr id="198" name="Google Shape;198;p27"/>
+          <p:cNvPr id="199" name="Google Shape;199;p27"/>
           <p:cNvSpPr txBox="1"/>
           <p:nvPr/>
         </p:nvSpPr>
@@ -8600,7 +8683,7 @@
       </p:sp>
       <p:pic>
         <p:nvPicPr>
-          <p:cNvPr id="199" name="Google Shape;199;p27"/>
+          <p:cNvPr id="200" name="Google Shape;200;p27"/>
           <p:cNvPicPr preferRelativeResize="0"/>
           <p:nvPr/>
         </p:nvPicPr>
@@ -8628,7 +8711,7 @@
       </p:pic>
       <p:sp>
         <p:nvSpPr>
-          <p:cNvPr id="200" name="Google Shape;200;p27"/>
+          <p:cNvPr id="201" name="Google Shape;201;p27"/>
           <p:cNvSpPr txBox="1"/>
           <p:nvPr/>
         </p:nvSpPr>
@@ -8689,7 +8772,7 @@
   <p:cSld>
     <p:spTree>
       <p:nvGrpSpPr>
-        <p:cNvPr id="204" name="Shape 204"/>
+        <p:cNvPr id="205" name="Shape 205"/>
         <p:cNvGrpSpPr/>
         <p:nvPr/>
       </p:nvGrpSpPr>
@@ -8703,7 +8786,7 @@
       </p:grpSpPr>
       <p:sp>
         <p:nvSpPr>
-          <p:cNvPr id="205" name="Google Shape;205;p28"/>
+          <p:cNvPr id="206" name="Google Shape;206;p28"/>
           <p:cNvSpPr txBox="1"/>
           <p:nvPr>
             <p:ph type="title"/>
@@ -8755,7 +8838,7 @@
       </p:sp>
       <p:sp>
         <p:nvSpPr>
-          <p:cNvPr id="206" name="Google Shape;206;p28"/>
+          <p:cNvPr id="207" name="Google Shape;207;p28"/>
           <p:cNvSpPr txBox="1"/>
           <p:nvPr/>
         </p:nvSpPr>
@@ -8796,7 +8879,7 @@
       </p:sp>
       <p:sp>
         <p:nvSpPr>
-          <p:cNvPr id="207" name="Google Shape;207;p28"/>
+          <p:cNvPr id="208" name="Google Shape;208;p28"/>
           <p:cNvSpPr txBox="1"/>
           <p:nvPr/>
         </p:nvSpPr>
@@ -8936,7 +9019,7 @@
   <p:cSld>
     <p:spTree>
       <p:nvGrpSpPr>
-        <p:cNvPr id="59" name="Shape 59"/>
+        <p:cNvPr id="60" name="Shape 60"/>
         <p:cNvGrpSpPr/>
         <p:nvPr/>
       </p:nvGrpSpPr>
@@ -8950,7 +9033,7 @@
       </p:grpSpPr>
       <p:sp>
         <p:nvSpPr>
-          <p:cNvPr id="60" name="Google Shape;60;p14"/>
+          <p:cNvPr id="61" name="Google Shape;61;p14"/>
           <p:cNvSpPr txBox="1"/>
           <p:nvPr>
             <p:ph type="title"/>
@@ -8990,7 +9073,7 @@
       </p:sp>
       <p:sp>
         <p:nvSpPr>
-          <p:cNvPr id="61" name="Google Shape;61;p14"/>
+          <p:cNvPr id="62" name="Google Shape;62;p14"/>
           <p:cNvSpPr txBox="1"/>
           <p:nvPr>
             <p:ph idx="1" type="body"/>
@@ -9042,7 +9125,7 @@
       </p:sp>
       <p:pic>
         <p:nvPicPr>
-          <p:cNvPr id="62" name="Google Shape;62;p14"/>
+          <p:cNvPr id="63" name="Google Shape;63;p14"/>
           <p:cNvPicPr preferRelativeResize="0"/>
           <p:nvPr/>
         </p:nvPicPr>
@@ -9070,7 +9153,7 @@
       </p:pic>
       <p:sp>
         <p:nvSpPr>
-          <p:cNvPr id="63" name="Google Shape;63;p14"/>
+          <p:cNvPr id="64" name="Google Shape;64;p14"/>
           <p:cNvSpPr txBox="1"/>
           <p:nvPr/>
         </p:nvSpPr>
@@ -9120,7 +9203,7 @@
       </p:sp>
       <p:pic>
         <p:nvPicPr>
-          <p:cNvPr id="64" name="Google Shape;64;p14"/>
+          <p:cNvPr id="65" name="Google Shape;65;p14"/>
           <p:cNvPicPr preferRelativeResize="0"/>
           <p:nvPr/>
         </p:nvPicPr>
@@ -9148,7 +9231,7 @@
       </p:pic>
       <p:sp>
         <p:nvSpPr>
-          <p:cNvPr id="65" name="Google Shape;65;p14"/>
+          <p:cNvPr id="66" name="Google Shape;66;p14"/>
           <p:cNvSpPr txBox="1"/>
           <p:nvPr/>
         </p:nvSpPr>
@@ -9198,7 +9281,7 @@
       </p:sp>
       <p:pic>
         <p:nvPicPr>
-          <p:cNvPr id="66" name="Google Shape;66;p14"/>
+          <p:cNvPr id="67" name="Google Shape;67;p14"/>
           <p:cNvPicPr preferRelativeResize="0"/>
           <p:nvPr/>
         </p:nvPicPr>
@@ -9226,7 +9309,7 @@
       </p:pic>
       <p:pic>
         <p:nvPicPr>
-          <p:cNvPr id="67" name="Google Shape;67;p14"/>
+          <p:cNvPr id="68" name="Google Shape;68;p14"/>
           <p:cNvPicPr preferRelativeResize="0"/>
           <p:nvPr/>
         </p:nvPicPr>
@@ -9254,7 +9337,7 @@
       </p:pic>
       <p:sp>
         <p:nvSpPr>
-          <p:cNvPr id="68" name="Google Shape;68;p14"/>
+          <p:cNvPr id="69" name="Google Shape;69;p14"/>
           <p:cNvSpPr txBox="1"/>
           <p:nvPr/>
         </p:nvSpPr>
@@ -9315,7 +9398,7 @@
   <p:cSld>
     <p:spTree>
       <p:nvGrpSpPr>
-        <p:cNvPr id="72" name="Shape 72"/>
+        <p:cNvPr id="73" name="Shape 73"/>
         <p:cNvGrpSpPr/>
         <p:nvPr/>
       </p:nvGrpSpPr>
@@ -9329,7 +9412,7 @@
       </p:grpSpPr>
       <p:sp>
         <p:nvSpPr>
-          <p:cNvPr id="73" name="Google Shape;73;p15"/>
+          <p:cNvPr id="74" name="Google Shape;74;p15"/>
           <p:cNvSpPr txBox="1"/>
           <p:nvPr>
             <p:ph type="title"/>
@@ -9369,7 +9452,7 @@
       </p:sp>
       <p:pic>
         <p:nvPicPr>
-          <p:cNvPr id="74" name="Google Shape;74;p15"/>
+          <p:cNvPr id="75" name="Google Shape;75;p15"/>
           <p:cNvPicPr preferRelativeResize="0"/>
           <p:nvPr/>
         </p:nvPicPr>
@@ -9397,7 +9480,7 @@
       </p:pic>
       <p:sp>
         <p:nvSpPr>
-          <p:cNvPr id="75" name="Google Shape;75;p15"/>
+          <p:cNvPr id="76" name="Google Shape;76;p15"/>
           <p:cNvSpPr txBox="1"/>
           <p:nvPr/>
         </p:nvSpPr>
@@ -9447,7 +9530,7 @@
       </p:sp>
       <p:pic>
         <p:nvPicPr>
-          <p:cNvPr id="76" name="Google Shape;76;p15"/>
+          <p:cNvPr id="77" name="Google Shape;77;p15"/>
           <p:cNvPicPr preferRelativeResize="0"/>
           <p:nvPr/>
         </p:nvPicPr>
@@ -9475,7 +9558,7 @@
       </p:pic>
       <p:sp>
         <p:nvSpPr>
-          <p:cNvPr id="77" name="Google Shape;77;p15"/>
+          <p:cNvPr id="78" name="Google Shape;78;p15"/>
           <p:cNvSpPr txBox="1"/>
           <p:nvPr/>
         </p:nvSpPr>
@@ -9525,7 +9608,7 @@
       </p:sp>
       <p:pic>
         <p:nvPicPr>
-          <p:cNvPr id="78" name="Google Shape;78;p15"/>
+          <p:cNvPr id="79" name="Google Shape;79;p15"/>
           <p:cNvPicPr preferRelativeResize="0"/>
           <p:nvPr/>
         </p:nvPicPr>
@@ -9553,7 +9636,7 @@
       </p:pic>
       <p:sp>
         <p:nvSpPr>
-          <p:cNvPr id="79" name="Google Shape;79;p15"/>
+          <p:cNvPr id="80" name="Google Shape;80;p15"/>
           <p:cNvSpPr txBox="1"/>
           <p:nvPr/>
         </p:nvSpPr>
@@ -9603,14 +9686,14 @@
       </p:sp>
       <p:sp>
         <p:nvSpPr>
-          <p:cNvPr id="80" name="Google Shape;80;p15"/>
+          <p:cNvPr id="81" name="Google Shape;81;p15"/>
           <p:cNvSpPr txBox="1"/>
           <p:nvPr/>
         </p:nvSpPr>
         <p:spPr>
           <a:xfrm>
             <a:off x="4609775" y="1956163"/>
-            <a:ext cx="4196400" cy="554100"/>
+            <a:ext cx="4196400" cy="369300"/>
           </a:xfrm>
           <a:prstGeom prst="rect">
             <a:avLst/>
@@ -9641,7 +9724,7 @@
                   <a:schemeClr val="dk1"/>
                 </a:solidFill>
               </a:rPr>
-              <a:t>Hypothesis: Percentage of rows in training set without any NAN values.</a:t>
+              <a:t>Percentage of rows in training set without any NAN values.</a:t>
             </a:r>
             <a:endParaRPr sz="1200">
               <a:solidFill>
@@ -9653,7 +9736,7 @@
       </p:sp>
       <p:pic>
         <p:nvPicPr>
-          <p:cNvPr id="81" name="Google Shape;81;p15"/>
+          <p:cNvPr id="82" name="Google Shape;82;p15"/>
           <p:cNvPicPr preferRelativeResize="0"/>
           <p:nvPr/>
         </p:nvPicPr>
@@ -9692,7 +9775,7 @@
   <p:cSld>
     <p:spTree>
       <p:nvGrpSpPr>
-        <p:cNvPr id="85" name="Shape 85"/>
+        <p:cNvPr id="86" name="Shape 86"/>
         <p:cNvGrpSpPr/>
         <p:nvPr/>
       </p:nvGrpSpPr>
@@ -9706,7 +9789,7 @@
       </p:grpSpPr>
       <p:sp>
         <p:nvSpPr>
-          <p:cNvPr id="86" name="Google Shape;86;p16"/>
+          <p:cNvPr id="87" name="Google Shape;87;p16"/>
           <p:cNvSpPr txBox="1"/>
           <p:nvPr>
             <p:ph type="title"/>
@@ -9746,7 +9829,7 @@
       </p:sp>
       <p:sp>
         <p:nvSpPr>
-          <p:cNvPr id="87" name="Google Shape;87;p16"/>
+          <p:cNvPr id="88" name="Google Shape;88;p16"/>
           <p:cNvSpPr txBox="1"/>
           <p:nvPr/>
         </p:nvSpPr>
@@ -9804,7 +9887,7 @@
       </p:sp>
       <p:pic>
         <p:nvPicPr>
-          <p:cNvPr id="88" name="Google Shape;88;p16"/>
+          <p:cNvPr id="89" name="Google Shape;89;p16"/>
           <p:cNvPicPr preferRelativeResize="0"/>
           <p:nvPr/>
         </p:nvPicPr>
@@ -9832,7 +9915,7 @@
       </p:pic>
       <p:pic>
         <p:nvPicPr>
-          <p:cNvPr id="89" name="Google Shape;89;p16"/>
+          <p:cNvPr id="90" name="Google Shape;90;p16"/>
           <p:cNvPicPr preferRelativeResize="0"/>
           <p:nvPr/>
         </p:nvPicPr>
@@ -9860,7 +9943,7 @@
       </p:pic>
       <p:pic>
         <p:nvPicPr>
-          <p:cNvPr id="90" name="Google Shape;90;p16"/>
+          <p:cNvPr id="91" name="Google Shape;91;p16"/>
           <p:cNvPicPr preferRelativeResize="0"/>
           <p:nvPr/>
         </p:nvPicPr>
@@ -9888,7 +9971,7 @@
       </p:pic>
       <p:pic>
         <p:nvPicPr>
-          <p:cNvPr id="91" name="Google Shape;91;p16"/>
+          <p:cNvPr id="92" name="Google Shape;92;p16"/>
           <p:cNvPicPr preferRelativeResize="0"/>
           <p:nvPr/>
         </p:nvPicPr>
@@ -9916,7 +9999,7 @@
       </p:pic>
       <p:pic>
         <p:nvPicPr>
-          <p:cNvPr id="92" name="Google Shape;92;p16"/>
+          <p:cNvPr id="93" name="Google Shape;93;p16"/>
           <p:cNvPicPr preferRelativeResize="0"/>
           <p:nvPr/>
         </p:nvPicPr>
@@ -9944,7 +10027,7 @@
       </p:pic>
       <p:pic>
         <p:nvPicPr>
-          <p:cNvPr id="93" name="Google Shape;93;p16"/>
+          <p:cNvPr id="94" name="Google Shape;94;p16"/>
           <p:cNvPicPr preferRelativeResize="0"/>
           <p:nvPr/>
         </p:nvPicPr>
@@ -9972,7 +10055,7 @@
       </p:pic>
       <p:pic>
         <p:nvPicPr>
-          <p:cNvPr id="94" name="Google Shape;94;p16"/>
+          <p:cNvPr id="95" name="Google Shape;95;p16"/>
           <p:cNvPicPr preferRelativeResize="0"/>
           <p:nvPr/>
         </p:nvPicPr>
@@ -10000,7 +10083,7 @@
       </p:pic>
       <p:pic>
         <p:nvPicPr>
-          <p:cNvPr id="95" name="Google Shape;95;p16"/>
+          <p:cNvPr id="96" name="Google Shape;96;p16"/>
           <p:cNvPicPr preferRelativeResize="0"/>
           <p:nvPr/>
         </p:nvPicPr>
@@ -10039,7 +10122,7 @@
   <p:cSld>
     <p:spTree>
       <p:nvGrpSpPr>
-        <p:cNvPr id="99" name="Shape 99"/>
+        <p:cNvPr id="100" name="Shape 100"/>
         <p:cNvGrpSpPr/>
         <p:nvPr/>
       </p:nvGrpSpPr>
@@ -10053,7 +10136,7 @@
       </p:grpSpPr>
       <p:sp>
         <p:nvSpPr>
-          <p:cNvPr id="100" name="Google Shape;100;p17"/>
+          <p:cNvPr id="101" name="Google Shape;101;p17"/>
           <p:cNvSpPr txBox="1"/>
           <p:nvPr>
             <p:ph type="title"/>
@@ -10093,7 +10176,7 @@
       </p:sp>
       <p:pic>
         <p:nvPicPr>
-          <p:cNvPr id="101" name="Google Shape;101;p17"/>
+          <p:cNvPr id="102" name="Google Shape;102;p17"/>
           <p:cNvPicPr preferRelativeResize="0"/>
           <p:nvPr/>
         </p:nvPicPr>
@@ -10121,7 +10204,7 @@
       </p:pic>
       <p:pic>
         <p:nvPicPr>
-          <p:cNvPr id="102" name="Google Shape;102;p17"/>
+          <p:cNvPr id="103" name="Google Shape;103;p17"/>
           <p:cNvPicPr preferRelativeResize="0"/>
           <p:nvPr/>
         </p:nvPicPr>
@@ -10149,7 +10232,7 @@
       </p:pic>
       <p:pic>
         <p:nvPicPr>
-          <p:cNvPr id="103" name="Google Shape;103;p17"/>
+          <p:cNvPr id="104" name="Google Shape;104;p17"/>
           <p:cNvPicPr preferRelativeResize="0"/>
           <p:nvPr/>
         </p:nvPicPr>
@@ -10177,7 +10260,7 @@
       </p:pic>
       <p:pic>
         <p:nvPicPr>
-          <p:cNvPr id="104" name="Google Shape;104;p17"/>
+          <p:cNvPr id="105" name="Google Shape;105;p17"/>
           <p:cNvPicPr preferRelativeResize="0"/>
           <p:nvPr/>
         </p:nvPicPr>
@@ -10205,7 +10288,7 @@
       </p:pic>
       <p:pic>
         <p:nvPicPr>
-          <p:cNvPr id="105" name="Google Shape;105;p17"/>
+          <p:cNvPr id="106" name="Google Shape;106;p17"/>
           <p:cNvPicPr preferRelativeResize="0"/>
           <p:nvPr/>
         </p:nvPicPr>
@@ -10233,7 +10316,7 @@
       </p:pic>
       <p:pic>
         <p:nvPicPr>
-          <p:cNvPr id="106" name="Google Shape;106;p17"/>
+          <p:cNvPr id="107" name="Google Shape;107;p17"/>
           <p:cNvPicPr preferRelativeResize="0"/>
           <p:nvPr/>
         </p:nvPicPr>
@@ -10261,7 +10344,7 @@
       </p:pic>
       <p:pic>
         <p:nvPicPr>
-          <p:cNvPr id="107" name="Google Shape;107;p17"/>
+          <p:cNvPr id="108" name="Google Shape;108;p17"/>
           <p:cNvPicPr preferRelativeResize="0"/>
           <p:nvPr/>
         </p:nvPicPr>
@@ -10289,7 +10372,7 @@
       </p:pic>
       <p:pic>
         <p:nvPicPr>
-          <p:cNvPr id="108" name="Google Shape;108;p17"/>
+          <p:cNvPr id="109" name="Google Shape;109;p17"/>
           <p:cNvPicPr preferRelativeResize="0"/>
           <p:nvPr/>
         </p:nvPicPr>
@@ -10328,7 +10411,7 @@
   <p:cSld>
     <p:spTree>
       <p:nvGrpSpPr>
-        <p:cNvPr id="112" name="Shape 112"/>
+        <p:cNvPr id="113" name="Shape 113"/>
         <p:cNvGrpSpPr/>
         <p:nvPr/>
       </p:nvGrpSpPr>
@@ -10342,7 +10425,7 @@
       </p:grpSpPr>
       <p:sp>
         <p:nvSpPr>
-          <p:cNvPr id="113" name="Google Shape;113;p18"/>
+          <p:cNvPr id="114" name="Google Shape;114;p18"/>
           <p:cNvSpPr txBox="1"/>
           <p:nvPr>
             <p:ph type="title"/>
@@ -10382,7 +10465,7 @@
       </p:sp>
       <p:pic>
         <p:nvPicPr>
-          <p:cNvPr id="114" name="Google Shape;114;p18"/>
+          <p:cNvPr id="115" name="Google Shape;115;p18"/>
           <p:cNvPicPr preferRelativeResize="0"/>
           <p:nvPr/>
         </p:nvPicPr>
@@ -10410,7 +10493,7 @@
       </p:pic>
       <p:pic>
         <p:nvPicPr>
-          <p:cNvPr id="115" name="Google Shape;115;p18"/>
+          <p:cNvPr id="116" name="Google Shape;116;p18"/>
           <p:cNvPicPr preferRelativeResize="0"/>
           <p:nvPr/>
         </p:nvPicPr>
@@ -10438,7 +10521,7 @@
       </p:pic>
       <p:pic>
         <p:nvPicPr>
-          <p:cNvPr id="116" name="Google Shape;116;p18"/>
+          <p:cNvPr id="117" name="Google Shape;117;p18"/>
           <p:cNvPicPr preferRelativeResize="0"/>
           <p:nvPr/>
         </p:nvPicPr>
@@ -10466,7 +10549,7 @@
       </p:pic>
       <p:pic>
         <p:nvPicPr>
-          <p:cNvPr id="117" name="Google Shape;117;p18"/>
+          <p:cNvPr id="118" name="Google Shape;118;p18"/>
           <p:cNvPicPr preferRelativeResize="0"/>
           <p:nvPr/>
         </p:nvPicPr>
@@ -10494,7 +10577,7 @@
       </p:pic>
       <p:pic>
         <p:nvPicPr>
-          <p:cNvPr id="118" name="Google Shape;118;p18"/>
+          <p:cNvPr id="119" name="Google Shape;119;p18"/>
           <p:cNvPicPr preferRelativeResize="0"/>
           <p:nvPr/>
         </p:nvPicPr>
@@ -10522,7 +10605,7 @@
       </p:pic>
       <p:pic>
         <p:nvPicPr>
-          <p:cNvPr id="119" name="Google Shape;119;p18"/>
+          <p:cNvPr id="120" name="Google Shape;120;p18"/>
           <p:cNvPicPr preferRelativeResize="0"/>
           <p:nvPr/>
         </p:nvPicPr>
@@ -10550,7 +10633,7 @@
       </p:pic>
       <p:pic>
         <p:nvPicPr>
-          <p:cNvPr id="120" name="Google Shape;120;p18"/>
+          <p:cNvPr id="121" name="Google Shape;121;p18"/>
           <p:cNvPicPr preferRelativeResize="0"/>
           <p:nvPr/>
         </p:nvPicPr>
@@ -10578,7 +10661,7 @@
       </p:pic>
       <p:pic>
         <p:nvPicPr>
-          <p:cNvPr id="121" name="Google Shape;121;p18"/>
+          <p:cNvPr id="122" name="Google Shape;122;p18"/>
           <p:cNvPicPr preferRelativeResize="0"/>
           <p:nvPr/>
         </p:nvPicPr>
@@ -10617,7 +10700,7 @@
   <p:cSld>
     <p:spTree>
       <p:nvGrpSpPr>
-        <p:cNvPr id="125" name="Shape 125"/>
+        <p:cNvPr id="126" name="Shape 126"/>
         <p:cNvGrpSpPr/>
         <p:nvPr/>
       </p:nvGrpSpPr>
@@ -10631,7 +10714,7 @@
       </p:grpSpPr>
       <p:sp>
         <p:nvSpPr>
-          <p:cNvPr id="126" name="Google Shape;126;p19"/>
+          <p:cNvPr id="127" name="Google Shape;127;p19"/>
           <p:cNvSpPr txBox="1"/>
           <p:nvPr>
             <p:ph type="title"/>
@@ -10671,7 +10754,7 @@
       </p:sp>
       <p:pic>
         <p:nvPicPr>
-          <p:cNvPr id="127" name="Google Shape;127;p19"/>
+          <p:cNvPr id="128" name="Google Shape;128;p19"/>
           <p:cNvPicPr preferRelativeResize="0"/>
           <p:nvPr/>
         </p:nvPicPr>
@@ -10699,7 +10782,7 @@
       </p:pic>
       <p:pic>
         <p:nvPicPr>
-          <p:cNvPr id="128" name="Google Shape;128;p19"/>
+          <p:cNvPr id="129" name="Google Shape;129;p19"/>
           <p:cNvPicPr preferRelativeResize="0"/>
           <p:nvPr/>
         </p:nvPicPr>
@@ -10727,7 +10810,7 @@
       </p:pic>
       <p:pic>
         <p:nvPicPr>
-          <p:cNvPr id="129" name="Google Shape;129;p19"/>
+          <p:cNvPr id="130" name="Google Shape;130;p19"/>
           <p:cNvPicPr preferRelativeResize="0"/>
           <p:nvPr/>
         </p:nvPicPr>
@@ -10755,7 +10838,7 @@
       </p:pic>
       <p:pic>
         <p:nvPicPr>
-          <p:cNvPr id="130" name="Google Shape;130;p19"/>
+          <p:cNvPr id="131" name="Google Shape;131;p19"/>
           <p:cNvPicPr preferRelativeResize="0"/>
           <p:nvPr/>
         </p:nvPicPr>
@@ -10783,7 +10866,7 @@
       </p:pic>
       <p:pic>
         <p:nvPicPr>
-          <p:cNvPr id="131" name="Google Shape;131;p19"/>
+          <p:cNvPr id="132" name="Google Shape;132;p19"/>
           <p:cNvPicPr preferRelativeResize="0"/>
           <p:nvPr/>
         </p:nvPicPr>
@@ -10811,7 +10894,7 @@
       </p:pic>
       <p:pic>
         <p:nvPicPr>
-          <p:cNvPr id="132" name="Google Shape;132;p19"/>
+          <p:cNvPr id="133" name="Google Shape;133;p19"/>
           <p:cNvPicPr preferRelativeResize="0"/>
           <p:nvPr/>
         </p:nvPicPr>
@@ -10839,7 +10922,7 @@
       </p:pic>
       <p:pic>
         <p:nvPicPr>
-          <p:cNvPr id="133" name="Google Shape;133;p19"/>
+          <p:cNvPr id="134" name="Google Shape;134;p19"/>
           <p:cNvPicPr preferRelativeResize="0"/>
           <p:nvPr/>
         </p:nvPicPr>
@@ -10867,7 +10950,7 @@
       </p:pic>
       <p:sp>
         <p:nvSpPr>
-          <p:cNvPr id="134" name="Google Shape;134;p19"/>
+          <p:cNvPr id="135" name="Google Shape;135;p19"/>
           <p:cNvSpPr txBox="1"/>
           <p:nvPr/>
         </p:nvSpPr>
@@ -10928,7 +11011,7 @@
   <p:cSld>
     <p:spTree>
       <p:nvGrpSpPr>
-        <p:cNvPr id="138" name="Shape 138"/>
+        <p:cNvPr id="139" name="Shape 139"/>
         <p:cNvGrpSpPr/>
         <p:nvPr/>
       </p:nvGrpSpPr>
@@ -10942,7 +11025,7 @@
       </p:grpSpPr>
       <p:sp>
         <p:nvSpPr>
-          <p:cNvPr id="139" name="Google Shape;139;p20"/>
+          <p:cNvPr id="140" name="Google Shape;140;p20"/>
           <p:cNvSpPr txBox="1"/>
           <p:nvPr>
             <p:ph type="title"/>
@@ -10982,7 +11065,7 @@
       </p:sp>
       <p:pic>
         <p:nvPicPr>
-          <p:cNvPr id="140" name="Google Shape;140;p20"/>
+          <p:cNvPr id="141" name="Google Shape;141;p20"/>
           <p:cNvPicPr preferRelativeResize="0"/>
           <p:nvPr/>
         </p:nvPicPr>
@@ -11010,7 +11093,7 @@
       </p:pic>
       <p:sp>
         <p:nvSpPr>
-          <p:cNvPr id="141" name="Google Shape;141;p20"/>
+          <p:cNvPr id="142" name="Google Shape;142;p20"/>
           <p:cNvSpPr txBox="1"/>
           <p:nvPr/>
         </p:nvSpPr>
@@ -11087,7 +11170,7 @@
   <p:cSld>
     <p:spTree>
       <p:nvGrpSpPr>
-        <p:cNvPr id="145" name="Shape 145"/>
+        <p:cNvPr id="146" name="Shape 146"/>
         <p:cNvGrpSpPr/>
         <p:nvPr/>
       </p:nvGrpSpPr>
@@ -11101,7 +11184,7 @@
       </p:grpSpPr>
       <p:sp>
         <p:nvSpPr>
-          <p:cNvPr id="146" name="Google Shape;146;p21"/>
+          <p:cNvPr id="147" name="Google Shape;147;p21"/>
           <p:cNvSpPr txBox="1"/>
           <p:nvPr>
             <p:ph type="title"/>
@@ -11141,7 +11224,7 @@
       </p:sp>
       <p:pic>
         <p:nvPicPr>
-          <p:cNvPr id="147" name="Google Shape;147;p21"/>
+          <p:cNvPr id="148" name="Google Shape;148;p21"/>
           <p:cNvPicPr preferRelativeResize="0"/>
           <p:nvPr/>
         </p:nvPicPr>
@@ -11169,7 +11252,7 @@
       </p:pic>
       <p:sp>
         <p:nvSpPr>
-          <p:cNvPr id="148" name="Google Shape;148;p21"/>
+          <p:cNvPr id="149" name="Google Shape;149;p21"/>
           <p:cNvSpPr txBox="1"/>
           <p:nvPr/>
         </p:nvSpPr>
